--- a/assets/CrimeSpy Presentation.pptx
+++ b/assets/CrimeSpy Presentation.pptx
@@ -27,13 +27,13 @@
       <p:boldItalic r:id="rId13"/>
     </p:embeddedFont>
     <p:embeddedFont>
-      <p:font typeface="Muli ExtraBold" panose="020B0604020202020204" charset="0"/>
-      <p:bold r:id="rId14"/>
-      <p:boldItalic r:id="rId15"/>
+      <p:font typeface="Lexend Deca" panose="020B0604020202020204" charset="0"/>
+      <p:regular r:id="rId14"/>
     </p:embeddedFont>
     <p:embeddedFont>
-      <p:font typeface="Lexend Deca" panose="020B0604020202020204" charset="0"/>
-      <p:regular r:id="rId16"/>
+      <p:font typeface="Muli ExtraBold" panose="020B0604020202020204" charset="0"/>
+      <p:bold r:id="rId15"/>
+      <p:boldItalic r:id="rId16"/>
     </p:embeddedFont>
   </p:embeddedFontLst>
   <p:defaultTextStyle>
@@ -265,6 +265,11 @@
       </a:defRPr>
     </a:lvl9pPr>
   </p:defaultTextStyle>
+  <p:extLst>
+    <p:ext uri="{EFAFB233-063F-42B5-8137-9DF3F51BA10A}">
+      <p15:sldGuideLst xmlns:p15="http://schemas.microsoft.com/office/powerpoint/2012/main"/>
+    </p:ext>
+  </p:extLst>
 </p:presentation>
 </file>
 
@@ -1022,6 +1027,161 @@
 </file>
 
 <file path=ppt/notesSlides/notesSlide4.xml><?xml version="1.0" encoding="utf-8"?>
+<p:notes xmlns:a="http://schemas.openxmlformats.org/drawingml/2006/main" xmlns:r="http://schemas.openxmlformats.org/officeDocument/2006/relationships" xmlns:p="http://schemas.openxmlformats.org/presentationml/2006/main">
+  <p:cSld>
+    <p:spTree>
+      <p:nvGrpSpPr>
+        <p:cNvPr id="1" name=""/>
+        <p:cNvGrpSpPr/>
+        <p:nvPr/>
+      </p:nvGrpSpPr>
+      <p:grpSpPr>
+        <a:xfrm>
+          <a:off x="0" y="0"/>
+          <a:ext cx="0" cy="0"/>
+          <a:chOff x="0" y="0"/>
+          <a:chExt cx="0" cy="0"/>
+        </a:xfrm>
+      </p:grpSpPr>
+      <p:sp>
+        <p:nvSpPr>
+          <p:cNvPr id="2" name="Slide Image Placeholder 1"/>
+          <p:cNvSpPr>
+            <a:spLocks noGrp="1" noRot="1" noChangeAspect="1"/>
+          </p:cNvSpPr>
+          <p:nvPr>
+            <p:ph type="sldImg"/>
+          </p:nvPr>
+        </p:nvSpPr>
+        <p:spPr/>
+      </p:sp>
+      <p:sp>
+        <p:nvSpPr>
+          <p:cNvPr id="3" name="Notes Placeholder 2"/>
+          <p:cNvSpPr>
+            <a:spLocks noGrp="1"/>
+          </p:cNvSpPr>
+          <p:nvPr>
+            <p:ph type="body" idx="1"/>
+          </p:nvPr>
+        </p:nvSpPr>
+        <p:spPr/>
+        <p:txBody>
+          <a:bodyPr/>
+          <a:lstStyle/>
+          <a:p>
+            <a:r>
+              <a:rPr lang="en-US" dirty="0" smtClean="0"/>
+              <a:t>Using AI</a:t>
+            </a:r>
+            <a:endParaRPr lang="en-US" dirty="0"/>
+          </a:p>
+        </p:txBody>
+      </p:sp>
+    </p:spTree>
+    <p:extLst>
+      <p:ext uri="{BB962C8B-B14F-4D97-AF65-F5344CB8AC3E}">
+        <p14:creationId xmlns:p14="http://schemas.microsoft.com/office/powerpoint/2010/main" val="3030666201"/>
+      </p:ext>
+    </p:extLst>
+  </p:cSld>
+  <p:clrMapOvr>
+    <a:masterClrMapping/>
+  </p:clrMapOvr>
+</p:notes>
+</file>
+
+<file path=ppt/notesSlides/notesSlide5.xml><?xml version="1.0" encoding="utf-8"?>
+<p:notes xmlns:a="http://schemas.openxmlformats.org/drawingml/2006/main" xmlns:r="http://schemas.openxmlformats.org/officeDocument/2006/relationships" xmlns:p="http://schemas.openxmlformats.org/presentationml/2006/main">
+  <p:cSld>
+    <p:spTree>
+      <p:nvGrpSpPr>
+        <p:cNvPr id="1" name=""/>
+        <p:cNvGrpSpPr/>
+        <p:nvPr/>
+      </p:nvGrpSpPr>
+      <p:grpSpPr>
+        <a:xfrm>
+          <a:off x="0" y="0"/>
+          <a:ext cx="0" cy="0"/>
+          <a:chOff x="0" y="0"/>
+          <a:chExt cx="0" cy="0"/>
+        </a:xfrm>
+      </p:grpSpPr>
+      <p:sp>
+        <p:nvSpPr>
+          <p:cNvPr id="2" name="Slide Image Placeholder 1"/>
+          <p:cNvSpPr>
+            <a:spLocks noGrp="1" noRot="1" noChangeAspect="1"/>
+          </p:cNvSpPr>
+          <p:nvPr>
+            <p:ph type="sldImg"/>
+          </p:nvPr>
+        </p:nvSpPr>
+        <p:spPr>
+          <a:xfrm>
+            <a:off x="381000" y="685800"/>
+            <a:ext cx="6096000" cy="3429000"/>
+          </a:xfrm>
+        </p:spPr>
+      </p:sp>
+      <p:sp>
+        <p:nvSpPr>
+          <p:cNvPr id="3" name="Notes Placeholder 2"/>
+          <p:cNvSpPr>
+            <a:spLocks noGrp="1"/>
+          </p:cNvSpPr>
+          <p:nvPr>
+            <p:ph type="body" idx="1"/>
+          </p:nvPr>
+        </p:nvSpPr>
+        <p:spPr/>
+        <p:txBody>
+          <a:bodyPr/>
+          <a:lstStyle/>
+          <a:p>
+            <a:r>
+              <a:rPr lang="en-GB" dirty="0" smtClean="0"/>
+              <a:t>There is already a plethora of surveillance cameras everywhere</a:t>
+            </a:r>
+          </a:p>
+          <a:p>
+            <a:r>
+              <a:rPr lang="en-GB" dirty="0" smtClean="0"/>
+              <a:t>The goal is </a:t>
+            </a:r>
+            <a:r>
+              <a:rPr lang="en-GB" b="1" dirty="0" smtClean="0"/>
+              <a:t>not </a:t>
+            </a:r>
+            <a:r>
+              <a:rPr lang="en-GB" dirty="0" smtClean="0"/>
+              <a:t>to replace these cameras, but rather to upgrade them</a:t>
+            </a:r>
+          </a:p>
+          <a:p>
+            <a:r>
+              <a:rPr lang="en-GB" dirty="0" smtClean="0"/>
+              <a:t>If this works out as a sustainable solution, it can be brought to any home by buying an IP camera</a:t>
+            </a:r>
+            <a:endParaRPr lang="en-US" dirty="0" smtClean="0"/>
+          </a:p>
+        </p:txBody>
+      </p:sp>
+    </p:spTree>
+    <p:extLst>
+      <p:ext uri="{BB962C8B-B14F-4D97-AF65-F5344CB8AC3E}">
+        <p14:creationId xmlns:p14="http://schemas.microsoft.com/office/powerpoint/2010/main" val="1723712612"/>
+      </p:ext>
+    </p:extLst>
+  </p:cSld>
+  <p:clrMapOvr>
+    <a:masterClrMapping/>
+  </p:clrMapOvr>
+</p:notes>
+</file>
+
+<file path=ppt/notesSlides/notesSlide6.xml><?xml version="1.0" encoding="utf-8"?>
 <p:notes xmlns:a="http://schemas.openxmlformats.org/drawingml/2006/main" xmlns:r="http://schemas.openxmlformats.org/officeDocument/2006/relationships" xmlns:p="http://schemas.openxmlformats.org/presentationml/2006/main" showMasterSp="0" showMasterPhAnim="0">
   <p:cSld>
     <p:spTree>
@@ -1125,7 +1285,7 @@
 </p:notes>
 </file>
 
-<file path=ppt/notesSlides/notesSlide5.xml><?xml version="1.0" encoding="utf-8"?>
+<file path=ppt/notesSlides/notesSlide7.xml><?xml version="1.0" encoding="utf-8"?>
 <p:notes xmlns:a="http://schemas.openxmlformats.org/drawingml/2006/main" xmlns:r="http://schemas.openxmlformats.org/officeDocument/2006/relationships" xmlns:p="http://schemas.openxmlformats.org/presentationml/2006/main" showMasterSp="0" showMasterPhAnim="0">
   <p:cSld>
     <p:spTree>
@@ -3776,15 +3936,15 @@
         </p:nvSpPr>
         <p:spPr>
           <a:xfrm>
-            <a:off x="685800" y="3637795"/>
-            <a:ext cx="4539000" cy="369548"/>
+            <a:off x="381004" y="2023272"/>
+            <a:ext cx="4539000" cy="2260126"/>
           </a:xfrm>
           <a:prstGeom prst="rect">
             <a:avLst/>
           </a:prstGeom>
         </p:spPr>
         <p:txBody>
-          <a:bodyPr spcFirstLastPara="1" wrap="square" lIns="0" tIns="0" rIns="0" bIns="0" anchor="ctr" anchorCtr="0">
+          <a:bodyPr spcFirstLastPara="1" wrap="square" lIns="0" tIns="0" rIns="0" bIns="0" anchor="b" anchorCtr="0">
             <a:noAutofit/>
           </a:bodyPr>
           <a:lstStyle/>
@@ -3800,7 +3960,11 @@
             </a:pPr>
             <a:r>
               <a:rPr lang="en" sz="1600" dirty="0" smtClean="0"/>
-              <a:t>By: </a:t>
+              <a:t>        By</a:t>
+            </a:r>
+            <a:r>
+              <a:rPr lang="en" sz="1600" dirty="0" smtClean="0"/>
+              <a:t>: </a:t>
             </a:r>
             <a:r>
               <a:rPr lang="en" sz="1600" dirty="0"/>
@@ -4004,8 +4168,8 @@
         </p:blipFill>
         <p:spPr>
           <a:xfrm>
-            <a:off x="1152624" y="1224283"/>
-            <a:ext cx="2342322" cy="2342322"/>
+            <a:off x="446639" y="239998"/>
+            <a:ext cx="3144700" cy="3144700"/>
           </a:xfrm>
           <a:prstGeom prst="rect">
             <a:avLst/>
@@ -4236,6 +4400,16 @@
           </a:bodyPr>
           <a:lstStyle/>
           <a:p>
+            <a:r>
+              <a:rPr lang="en-GB" dirty="0"/>
+              <a:t>Excessive human </a:t>
+            </a:r>
+            <a:r>
+              <a:rPr lang="en-GB" dirty="0" smtClean="0"/>
+              <a:t>work</a:t>
+            </a:r>
+          </a:p>
+          <a:p>
             <a:pPr marL="457200" lvl="0" indent="-381000" algn="l" rtl="0">
               <a:spcBef>
                 <a:spcPts val="600"/>
@@ -4248,7 +4422,13 @@
             </a:pPr>
             <a:r>
               <a:rPr lang="en-GB" dirty="0" smtClean="0"/>
-              <a:t>Security workers/policemen need to be constantly aware of the activities, recorded by surveillance cameras</a:t>
+              <a:t>Impossible constant supervision</a:t>
+            </a:r>
+          </a:p>
+          <a:p>
+            <a:r>
+              <a:rPr lang="en-GB" dirty="0" smtClean="0"/>
+              <a:t>Missed accidents/felonies</a:t>
             </a:r>
           </a:p>
           <a:p>
@@ -4262,10 +4442,7 @@
               <a:buSzPts val="2400"/>
               <a:buChar char="⬡"/>
             </a:pPr>
-            <a:r>
-              <a:rPr lang="en-GB" dirty="0" smtClean="0"/>
-              <a:t>This is not possible 100% of the time</a:t>
-            </a:r>
+            <a:endParaRPr lang="en-GB" dirty="0" smtClean="0"/>
           </a:p>
           <a:p>
             <a:pPr marL="457200" lvl="0" indent="-381000" algn="l" rtl="0">
@@ -4278,10 +4455,7 @@
               <a:buSzPts val="2400"/>
               <a:buChar char="⬡"/>
             </a:pPr>
-            <a:r>
-              <a:rPr lang="en-GB" dirty="0" smtClean="0"/>
-              <a:t>Also, this requires more human work than needed</a:t>
-            </a:r>
+            <a:endParaRPr lang="en-GB" dirty="0" smtClean="0"/>
           </a:p>
         </p:txBody>
       </p:sp>
@@ -4398,10 +4572,6 @@
           <a:lstStyle/>
           <a:p>
             <a:r>
-              <a:rPr lang="en-GB" dirty="0" smtClean="0"/>
-              <a:t>Introducing: </a:t>
-            </a:r>
-            <a:r>
               <a:rPr lang="en-GB" dirty="0" err="1" smtClean="0"/>
               <a:t>CrimeSpy</a:t>
             </a:r>
@@ -4410,7 +4580,7 @@
           <a:p>
             <a:r>
               <a:rPr lang="en-GB" dirty="0" smtClean="0"/>
-              <a:t>A real-time anomaly detection system for surveillance cameras, using artificial intelligence</a:t>
+              <a:t>AI for surveillance</a:t>
             </a:r>
             <a:endParaRPr lang="en-US" dirty="0"/>
           </a:p>
@@ -4502,7 +4672,7 @@
           <a:p>
             <a:r>
               <a:rPr lang="en-GB" dirty="0" smtClean="0"/>
-              <a:t>Making this idea sustainable</a:t>
+              <a:t>Sustainability</a:t>
             </a:r>
             <a:endParaRPr lang="en-US" dirty="0"/>
           </a:p>
@@ -4525,21 +4695,29 @@
           <a:p>
             <a:r>
               <a:rPr lang="en-GB" dirty="0" smtClean="0"/>
-              <a:t>There is already a plethora of surveillance cameras everywhere</a:t>
+              <a:t>Upgrade, not replace</a:t>
             </a:r>
           </a:p>
           <a:p>
             <a:r>
               <a:rPr lang="en-GB" dirty="0" smtClean="0"/>
-              <a:t>The goal is </a:t>
+              <a:t>Easy home integration</a:t>
+            </a:r>
+          </a:p>
+          <a:p>
+            <a:r>
+              <a:rPr lang="en-US" dirty="0" smtClean="0"/>
+              <a:t>Easy setup </a:t>
             </a:r>
             <a:r>
-              <a:rPr lang="en-GB" b="1" dirty="0" smtClean="0"/>
-              <a:t>not </a:t>
+              <a:rPr lang="en-US" dirty="0" smtClean="0">
+                <a:sym typeface="Wingdings" panose="05000000000000000000" pitchFamily="2" charset="2"/>
+              </a:rPr>
+              <a:t></a:t>
             </a:r>
             <a:r>
-              <a:rPr lang="en-GB" dirty="0" smtClean="0"/>
-              <a:t>to replace these cameras, but rather to upgrade them</a:t>
+              <a:rPr lang="en-US" dirty="0" smtClean="0"/>
+              <a:t> easy scalability</a:t>
             </a:r>
             <a:endParaRPr lang="en-US" dirty="0"/>
           </a:p>
